--- a/PP Exercise/Interview Exercises C1 2.pptx
+++ b/PP Exercise/Interview Exercises C1 2.pptx
@@ -317,7 +317,7 @@
           <a:p>
             <a:fld id="{ACC7775B-0F40-1441-B580-88F12607B34F}" type="datetimeFigureOut">
               <a:rPr lang="en-US" smtClean="0"/>
-              <a:t>11/8/2016</a:t>
+              <a:t>11/9/2016</a:t>
             </a:fld>
             <a:endParaRPr lang="en-US"/>
           </a:p>
@@ -487,7 +487,7 @@
           <a:p>
             <a:fld id="{ACC7775B-0F40-1441-B580-88F12607B34F}" type="datetimeFigureOut">
               <a:rPr lang="en-US" smtClean="0"/>
-              <a:t>11/8/2016</a:t>
+              <a:t>11/9/2016</a:t>
             </a:fld>
             <a:endParaRPr lang="en-US"/>
           </a:p>
@@ -667,7 +667,7 @@
           <a:p>
             <a:fld id="{ACC7775B-0F40-1441-B580-88F12607B34F}" type="datetimeFigureOut">
               <a:rPr lang="en-US" smtClean="0"/>
-              <a:t>11/8/2016</a:t>
+              <a:t>11/9/2016</a:t>
             </a:fld>
             <a:endParaRPr lang="en-US"/>
           </a:p>
@@ -837,7 +837,7 @@
           <a:p>
             <a:fld id="{ACC7775B-0F40-1441-B580-88F12607B34F}" type="datetimeFigureOut">
               <a:rPr lang="en-US" smtClean="0"/>
-              <a:t>11/8/2016</a:t>
+              <a:t>11/9/2016</a:t>
             </a:fld>
             <a:endParaRPr lang="en-US"/>
           </a:p>
@@ -1083,7 +1083,7 @@
           <a:p>
             <a:fld id="{ACC7775B-0F40-1441-B580-88F12607B34F}" type="datetimeFigureOut">
               <a:rPr lang="en-US" smtClean="0"/>
-              <a:t>11/8/2016</a:t>
+              <a:t>11/9/2016</a:t>
             </a:fld>
             <a:endParaRPr lang="en-US"/>
           </a:p>
@@ -1371,7 +1371,7 @@
           <a:p>
             <a:fld id="{ACC7775B-0F40-1441-B580-88F12607B34F}" type="datetimeFigureOut">
               <a:rPr lang="en-US" smtClean="0"/>
-              <a:t>11/8/2016</a:t>
+              <a:t>11/9/2016</a:t>
             </a:fld>
             <a:endParaRPr lang="en-US"/>
           </a:p>
@@ -1793,7 +1793,7 @@
           <a:p>
             <a:fld id="{ACC7775B-0F40-1441-B580-88F12607B34F}" type="datetimeFigureOut">
               <a:rPr lang="en-US" smtClean="0"/>
-              <a:t>11/8/2016</a:t>
+              <a:t>11/9/2016</a:t>
             </a:fld>
             <a:endParaRPr lang="en-US"/>
           </a:p>
@@ -1911,7 +1911,7 @@
           <a:p>
             <a:fld id="{ACC7775B-0F40-1441-B580-88F12607B34F}" type="datetimeFigureOut">
               <a:rPr lang="en-US" smtClean="0"/>
-              <a:t>11/8/2016</a:t>
+              <a:t>11/9/2016</a:t>
             </a:fld>
             <a:endParaRPr lang="en-US"/>
           </a:p>
@@ -2006,7 +2006,7 @@
           <a:p>
             <a:fld id="{ACC7775B-0F40-1441-B580-88F12607B34F}" type="datetimeFigureOut">
               <a:rPr lang="en-US" smtClean="0"/>
-              <a:t>11/8/2016</a:t>
+              <a:t>11/9/2016</a:t>
             </a:fld>
             <a:endParaRPr lang="en-US"/>
           </a:p>
@@ -2283,7 +2283,7 @@
           <a:p>
             <a:fld id="{ACC7775B-0F40-1441-B580-88F12607B34F}" type="datetimeFigureOut">
               <a:rPr lang="en-US" smtClean="0"/>
-              <a:t>11/8/2016</a:t>
+              <a:t>11/9/2016</a:t>
             </a:fld>
             <a:endParaRPr lang="en-US"/>
           </a:p>
@@ -2536,7 +2536,7 @@
           <a:p>
             <a:fld id="{ACC7775B-0F40-1441-B580-88F12607B34F}" type="datetimeFigureOut">
               <a:rPr lang="en-US" smtClean="0"/>
-              <a:t>11/8/2016</a:t>
+              <a:t>11/9/2016</a:t>
             </a:fld>
             <a:endParaRPr lang="en-US"/>
           </a:p>
@@ -2749,7 +2749,7 @@
           <a:p>
             <a:fld id="{ACC7775B-0F40-1441-B580-88F12607B34F}" type="datetimeFigureOut">
               <a:rPr lang="en-US" smtClean="0"/>
-              <a:t>11/8/2016</a:t>
+              <a:t>11/9/2016</a:t>
             </a:fld>
             <a:endParaRPr lang="en-US"/>
           </a:p>
@@ -4421,7 +4421,7 @@
             <p:ph idx="1"/>
             <p:extLst>
               <p:ext uri="{D42A27DB-BD31-4B8C-83A1-F6EECF244321}">
-                <p14:modId xmlns:p14="http://schemas.microsoft.com/office/powerpoint/2010/main" val="754011645"/>
+                <p14:modId xmlns:p14="http://schemas.microsoft.com/office/powerpoint/2010/main" val="2358916825"/>
               </p:ext>
             </p:extLst>
           </p:nvPr>
@@ -4434,7 +4434,7 @@
           <a:graphicData uri="http://schemas.openxmlformats.org/presentationml/2006/ole">
             <mc:AlternateContent xmlns:mc="http://schemas.openxmlformats.org/markup-compatibility/2006">
               <mc:Choice xmlns:v="urn:schemas-microsoft-com:vml" Requires="v">
-                <p:oleObj spid="_x0000_s1028" name="Document" showAsIcon="1" r:id="rId3" imgW="914400" imgH="771480" progId="Word.Document.12">
+                <p:oleObj spid="_x0000_s1029" name="Document" showAsIcon="1" r:id="rId3" imgW="914400" imgH="771480" progId="Word.Document.12">
                   <p:embed/>
                 </p:oleObj>
               </mc:Choice>
